--- a/Project 2/Part3/CS554_EuroTeam_Project2_OP6_Mikko.pptx
+++ b/Project 2/Part3/CS554_EuroTeam_Project2_OP6_Mikko.pptx
@@ -5,10 +5,10 @@
     <p:sldMasterId id="2147483660" r:id="rId2"/>
   </p:sldMasterIdLst>
   <p:notesMasterIdLst>
-    <p:notesMasterId r:id="rId10"/>
+    <p:notesMasterId r:id="rId11"/>
   </p:notesMasterIdLst>
   <p:handoutMasterIdLst>
-    <p:handoutMasterId r:id="rId11"/>
+    <p:handoutMasterId r:id="rId12"/>
   </p:handoutMasterIdLst>
   <p:sldIdLst>
     <p:sldId id="256" r:id="rId3"/>
@@ -18,6 +18,7 @@
     <p:sldId id="286" r:id="rId7"/>
     <p:sldId id="289" r:id="rId8"/>
     <p:sldId id="290" r:id="rId9"/>
+    <p:sldId id="291" r:id="rId10"/>
   </p:sldIdLst>
   <p:sldSz cx="9144000" cy="6858000" type="screen4x3"/>
   <p:notesSz cx="7099300" cy="10234613"/>
@@ -8520,6 +8521,357 @@
 </p:sld>
 </file>
 
+<file path=ppt/slides/slide8.xml><?xml version="1.0" encoding="utf-8"?>
+<p:sld xmlns:a="http://schemas.openxmlformats.org/drawingml/2006/main" xmlns:r="http://schemas.openxmlformats.org/officeDocument/2006/relationships" xmlns:mc="http://schemas.openxmlformats.org/markup-compatibility/2006" xmlns:mv="urn:schemas-microsoft-com:mac:vml" xmlns:p="http://schemas.openxmlformats.org/presentationml/2006/main" mc:Ignorable="mv" mc:PreserveAttributes="mv:*">
+  <p:cSld>
+    <p:spTree>
+      <p:nvGrpSpPr>
+        <p:cNvPr id="1" name=""/>
+        <p:cNvGrpSpPr/>
+        <p:nvPr/>
+      </p:nvGrpSpPr>
+      <p:grpSpPr>
+        <a:xfrm>
+          <a:off x="0" y="0"/>
+          <a:ext cx="0" cy="0"/>
+          <a:chOff x="0" y="0"/>
+          <a:chExt cx="0" cy="0"/>
+        </a:xfrm>
+      </p:grpSpPr>
+      <p:sp>
+        <p:nvSpPr>
+          <p:cNvPr id="2" name="Title 1"/>
+          <p:cNvSpPr>
+            <a:spLocks noGrp="1"/>
+          </p:cNvSpPr>
+          <p:nvPr>
+            <p:ph type="ctrTitle"/>
+          </p:nvPr>
+        </p:nvSpPr>
+        <p:spPr/>
+        <p:txBody>
+          <a:bodyPr/>
+          <a:lstStyle/>
+          <a:p>
+            <a:r>
+              <a:rPr lang="en-US" dirty="0" smtClean="0"/>
+              <a:t>comparison</a:t>
+            </a:r>
+            <a:endParaRPr lang="en-US" dirty="0"/>
+          </a:p>
+        </p:txBody>
+      </p:sp>
+      <p:sp>
+        <p:nvSpPr>
+          <p:cNvPr id="3" name="Text Placeholder 2"/>
+          <p:cNvSpPr>
+            <a:spLocks noGrp="1"/>
+          </p:cNvSpPr>
+          <p:nvPr>
+            <p:ph type="body" sz="quarter" idx="10"/>
+          </p:nvPr>
+        </p:nvSpPr>
+        <p:spPr/>
+        <p:txBody>
+          <a:bodyPr/>
+          <a:lstStyle/>
+          <a:p>
+            <a:endParaRPr lang="en-US" dirty="0"/>
+          </a:p>
+        </p:txBody>
+      </p:sp>
+      <p:graphicFrame>
+        <p:nvGraphicFramePr>
+          <p:cNvPr id="4" name="Table 3"/>
+          <p:cNvGraphicFramePr>
+            <a:graphicFrameLocks noGrp="1"/>
+          </p:cNvGraphicFramePr>
+          <p:nvPr/>
+        </p:nvGraphicFramePr>
+        <p:xfrm>
+          <a:off x="304800" y="1828800"/>
+          <a:ext cx="8534400" cy="3794759"/>
+        </p:xfrm>
+        <a:graphic>
+          <a:graphicData uri="http://schemas.openxmlformats.org/drawingml/2006/table">
+            <a:tbl>
+              <a:tblPr firstRow="1" bandRow="1">
+                <a:tableStyleId>{5C22544A-7EE6-4342-B048-85BDC9FD1C3A}</a:tableStyleId>
+              </a:tblPr>
+              <a:tblGrid>
+                <a:gridCol w="1706880"/>
+                <a:gridCol w="1706880"/>
+                <a:gridCol w="1706880"/>
+                <a:gridCol w="1706880"/>
+                <a:gridCol w="1706880"/>
+              </a:tblGrid>
+              <a:tr h="1143000">
+                <a:tc>
+                  <a:txBody>
+                    <a:bodyPr/>
+                    <a:lstStyle/>
+                    <a:p>
+                      <a:r>
+                        <a:rPr lang="en-US" dirty="0" smtClean="0"/>
+                        <a:t>Architectural</a:t>
+                      </a:r>
+                      <a:r>
+                        <a:rPr lang="en-US" baseline="0" dirty="0" smtClean="0"/>
+                        <a:t> style</a:t>
+                      </a:r>
+                      <a:endParaRPr lang="en-US" dirty="0"/>
+                    </a:p>
+                  </a:txBody>
+                  <a:tcPr/>
+                </a:tc>
+                <a:tc>
+                  <a:txBody>
+                    <a:bodyPr/>
+                    <a:lstStyle/>
+                    <a:p>
+                      <a:r>
+                        <a:rPr lang="en-US" dirty="0" smtClean="0"/>
+                        <a:t>Scalability</a:t>
+                      </a:r>
+                      <a:endParaRPr lang="en-US" dirty="0"/>
+                    </a:p>
+                  </a:txBody>
+                  <a:tcPr/>
+                </a:tc>
+                <a:tc>
+                  <a:txBody>
+                    <a:bodyPr/>
+                    <a:lstStyle/>
+                    <a:p>
+                      <a:r>
+                        <a:rPr lang="en-US" dirty="0" smtClean="0"/>
+                        <a:t>Availability</a:t>
+                      </a:r>
+                      <a:endParaRPr lang="en-US" dirty="0"/>
+                    </a:p>
+                  </a:txBody>
+                  <a:tcPr/>
+                </a:tc>
+                <a:tc>
+                  <a:txBody>
+                    <a:bodyPr/>
+                    <a:lstStyle/>
+                    <a:p>
+                      <a:pPr marL="0" marR="0" indent="0" algn="l" defTabSz="914400" rtl="0" eaLnBrk="1" fontAlgn="auto" latinLnBrk="0" hangingPunct="1">
+                        <a:lnSpc>
+                          <a:spcPct val="100000"/>
+                        </a:lnSpc>
+                        <a:spcBef>
+                          <a:spcPts val="0"/>
+                        </a:spcBef>
+                        <a:spcAft>
+                          <a:spcPts val="0"/>
+                        </a:spcAft>
+                        <a:buClrTx/>
+                        <a:buSzTx/>
+                        <a:buFontTx/>
+                        <a:buNone/>
+                        <a:tabLst/>
+                        <a:defRPr/>
+                      </a:pPr>
+                      <a:r>
+                        <a:rPr lang="en-US" dirty="0" smtClean="0"/>
+                        <a:t>Security</a:t>
+                      </a:r>
+                    </a:p>
+                    <a:p>
+                      <a:endParaRPr lang="en-US" dirty="0"/>
+                    </a:p>
+                  </a:txBody>
+                  <a:tcPr/>
+                </a:tc>
+                <a:tc>
+                  <a:txBody>
+                    <a:bodyPr/>
+                    <a:lstStyle/>
+                    <a:p>
+                      <a:r>
+                        <a:rPr lang="en-US" dirty="0" err="1" smtClean="0"/>
+                        <a:t>Maintanance</a:t>
+                      </a:r>
+                      <a:endParaRPr lang="en-US" dirty="0"/>
+                    </a:p>
+                  </a:txBody>
+                  <a:tcPr/>
+                </a:tc>
+              </a:tr>
+              <a:tr h="1143000">
+                <a:tc>
+                  <a:txBody>
+                    <a:bodyPr/>
+                    <a:lstStyle/>
+                    <a:p>
+                      <a:r>
+                        <a:rPr lang="en-US" b="1" dirty="0" smtClean="0"/>
+                        <a:t>Pub-Sub</a:t>
+                      </a:r>
+                      <a:endParaRPr lang="en-US" b="1" dirty="0"/>
+                    </a:p>
+                  </a:txBody>
+                  <a:tcPr/>
+                </a:tc>
+                <a:tc>
+                  <a:txBody>
+                    <a:bodyPr/>
+                    <a:lstStyle/>
+                    <a:p>
+                      <a:r>
+                        <a:rPr lang="en-US" dirty="0" smtClean="0"/>
+                        <a:t>Good in the small</a:t>
+                      </a:r>
+                      <a:endParaRPr lang="en-US" dirty="0"/>
+                    </a:p>
+                  </a:txBody>
+                  <a:tcPr/>
+                </a:tc>
+                <a:tc>
+                  <a:txBody>
+                    <a:bodyPr/>
+                    <a:lstStyle/>
+                    <a:p>
+                      <a:r>
+                        <a:rPr lang="en-US" dirty="0" smtClean="0"/>
+                        <a:t>Good</a:t>
+                      </a:r>
+                      <a:r>
+                        <a:rPr lang="en-US" baseline="0" dirty="0" smtClean="0"/>
+                        <a:t>, because of decoupling</a:t>
+                      </a:r>
+                      <a:endParaRPr lang="en-US" dirty="0"/>
+                    </a:p>
+                  </a:txBody>
+                  <a:tcPr/>
+                </a:tc>
+                <a:tc>
+                  <a:txBody>
+                    <a:bodyPr/>
+                    <a:lstStyle/>
+                    <a:p>
+                      <a:r>
+                        <a:rPr lang="en-US" dirty="0" smtClean="0"/>
+                        <a:t>Potentially compromised because of decoupling</a:t>
+                      </a:r>
+                      <a:endParaRPr lang="en-US" dirty="0"/>
+                    </a:p>
+                  </a:txBody>
+                  <a:tcPr/>
+                </a:tc>
+                <a:tc>
+                  <a:txBody>
+                    <a:bodyPr/>
+                    <a:lstStyle/>
+                    <a:p>
+                      <a:r>
+                        <a:rPr lang="en-US" dirty="0" smtClean="0"/>
+                        <a:t>Possible</a:t>
+                      </a:r>
+                      <a:r>
+                        <a:rPr lang="en-US" baseline="0" dirty="0" smtClean="0"/>
+                        <a:t> complex due to distributed nature</a:t>
+                      </a:r>
+                      <a:endParaRPr lang="en-US" dirty="0"/>
+                    </a:p>
+                  </a:txBody>
+                  <a:tcPr/>
+                </a:tc>
+              </a:tr>
+              <a:tr h="1143000">
+                <a:tc>
+                  <a:txBody>
+                    <a:bodyPr/>
+                    <a:lstStyle/>
+                    <a:p>
+                      <a:r>
+                        <a:rPr lang="en-US" b="1" dirty="0" smtClean="0"/>
+                        <a:t>Client-Server</a:t>
+                      </a:r>
+                      <a:endParaRPr lang="en-US" b="1" dirty="0"/>
+                    </a:p>
+                  </a:txBody>
+                  <a:tcPr/>
+                </a:tc>
+                <a:tc>
+                  <a:txBody>
+                    <a:bodyPr/>
+                    <a:lstStyle/>
+                    <a:p>
+                      <a:r>
+                        <a:rPr lang="en-US" dirty="0" smtClean="0"/>
+                        <a:t>Good in the large</a:t>
+                      </a:r>
+                      <a:endParaRPr lang="en-US" dirty="0"/>
+                    </a:p>
+                  </a:txBody>
+                  <a:tcPr/>
+                </a:tc>
+                <a:tc>
+                  <a:txBody>
+                    <a:bodyPr/>
+                    <a:lstStyle/>
+                    <a:p>
+                      <a:r>
+                        <a:rPr lang="en-US" dirty="0" smtClean="0"/>
+                        <a:t>Potentially</a:t>
+                      </a:r>
+                      <a:r>
+                        <a:rPr lang="en-US" baseline="0" dirty="0" smtClean="0"/>
+                        <a:t> compromised because of single point of failure</a:t>
+                      </a:r>
+                      <a:endParaRPr lang="en-US" dirty="0"/>
+                    </a:p>
+                  </a:txBody>
+                  <a:tcPr/>
+                </a:tc>
+                <a:tc>
+                  <a:txBody>
+                    <a:bodyPr/>
+                    <a:lstStyle/>
+                    <a:p>
+                      <a:r>
+                        <a:rPr lang="en-US" dirty="0" smtClean="0"/>
+                        <a:t>Strong because of central control</a:t>
+                      </a:r>
+                      <a:endParaRPr lang="en-US" dirty="0"/>
+                    </a:p>
+                  </a:txBody>
+                  <a:tcPr/>
+                </a:tc>
+                <a:tc>
+                  <a:txBody>
+                    <a:bodyPr/>
+                    <a:lstStyle/>
+                    <a:p>
+                      <a:r>
+                        <a:rPr lang="en-US" dirty="0" smtClean="0"/>
+                        <a:t>Usually simple because of centralized</a:t>
+                      </a:r>
+                      <a:r>
+                        <a:rPr lang="en-US" baseline="0" dirty="0" smtClean="0"/>
+                        <a:t> control</a:t>
+                      </a:r>
+                      <a:endParaRPr lang="en-US" dirty="0"/>
+                    </a:p>
+                  </a:txBody>
+                  <a:tcPr/>
+                </a:tc>
+              </a:tr>
+            </a:tbl>
+          </a:graphicData>
+        </a:graphic>
+      </p:graphicFrame>
+    </p:spTree>
+  </p:cSld>
+  <p:clrMapOvr>
+    <a:masterClrMapping/>
+  </p:clrMapOvr>
+</p:sld>
+</file>
+
 <file path=ppt/theme/theme1.xml><?xml version="1.0" encoding="utf-8"?>
 <a:theme xmlns:a="http://schemas.openxmlformats.org/drawingml/2006/main" name="Charte graphique_PA">
   <a:themeElements>
